--- a/week_03/day_04/AI.pptx
+++ b/week_03/day_04/AI.pptx
@@ -204,7 +204,7 @@
           <a:p>
             <a:fld id="{77D332C4-8E49-3746-BE94-BB728F1D57FE}" type="datetimeFigureOut">
               <a:rPr lang="en-US" smtClean="0"/>
-              <a:t>12/16/21</a:t>
+              <a:t>12/17/21</a:t>
             </a:fld>
             <a:endParaRPr lang="en-US"/>
           </a:p>
@@ -1471,7 +1471,7 @@
           <a:p>
             <a:fld id="{4AAD347D-5ACD-4C99-B74B-A9C85AD731AF}" type="datetimeFigureOut">
               <a:rPr lang="en-US" dirty="0"/>
-              <a:t>12/16/21</a:t>
+              <a:t>12/17/21</a:t>
             </a:fld>
             <a:endParaRPr lang="en-US" dirty="0"/>
           </a:p>
@@ -1741,7 +1741,7 @@
           <a:p>
             <a:fld id="{4509A250-FF31-4206-8172-F9D3106AACB1}" type="datetimeFigureOut">
               <a:rPr lang="en-US" dirty="0"/>
-              <a:t>12/16/21</a:t>
+              <a:t>12/17/21</a:t>
             </a:fld>
             <a:endParaRPr lang="en-US" dirty="0"/>
           </a:p>
@@ -1930,7 +1930,7 @@
           <a:p>
             <a:fld id="{4509A250-FF31-4206-8172-F9D3106AACB1}" type="datetimeFigureOut">
               <a:rPr lang="en-US" dirty="0"/>
-              <a:t>12/16/21</a:t>
+              <a:t>12/17/21</a:t>
             </a:fld>
             <a:endParaRPr lang="en-US" dirty="0"/>
           </a:p>
@@ -2198,7 +2198,7 @@
           <a:p>
             <a:fld id="{4509A250-FF31-4206-8172-F9D3106AACB1}" type="datetimeFigureOut">
               <a:rPr lang="en-US" dirty="0"/>
-              <a:t>12/16/21</a:t>
+              <a:t>12/17/21</a:t>
             </a:fld>
             <a:endParaRPr lang="en-US" dirty="0"/>
           </a:p>
@@ -2534,7 +2534,7 @@
           <a:p>
             <a:fld id="{4509A250-FF31-4206-8172-F9D3106AACB1}" type="datetimeFigureOut">
               <a:rPr lang="en-US" dirty="0"/>
-              <a:t>12/16/21</a:t>
+              <a:t>12/17/21</a:t>
             </a:fld>
             <a:endParaRPr lang="en-US" dirty="0"/>
           </a:p>
@@ -3152,7 +3152,7 @@
           <a:p>
             <a:fld id="{4509A250-FF31-4206-8172-F9D3106AACB1}" type="datetimeFigureOut">
               <a:rPr lang="en-US" dirty="0"/>
-              <a:t>12/16/21</a:t>
+              <a:t>12/17/21</a:t>
             </a:fld>
             <a:endParaRPr lang="en-US" dirty="0"/>
           </a:p>
@@ -4007,7 +4007,7 @@
           <a:p>
             <a:fld id="{4509A250-FF31-4206-8172-F9D3106AACB1}" type="datetimeFigureOut">
               <a:rPr lang="en-US" dirty="0"/>
-              <a:t>12/16/21</a:t>
+              <a:t>12/17/21</a:t>
             </a:fld>
             <a:endParaRPr lang="en-US" dirty="0"/>
           </a:p>
@@ -4172,7 +4172,7 @@
           <a:p>
             <a:fld id="{4509A250-FF31-4206-8172-F9D3106AACB1}" type="datetimeFigureOut">
               <a:rPr lang="en-US" dirty="0"/>
-              <a:t>12/16/21</a:t>
+              <a:t>12/17/21</a:t>
             </a:fld>
             <a:endParaRPr lang="en-US" dirty="0"/>
           </a:p>
@@ -4347,7 +4347,7 @@
           <a:p>
             <a:fld id="{4509A250-FF31-4206-8172-F9D3106AACB1}" type="datetimeFigureOut">
               <a:rPr lang="en-US" dirty="0"/>
-              <a:t>12/16/21</a:t>
+              <a:t>12/17/21</a:t>
             </a:fld>
             <a:endParaRPr lang="en-US" dirty="0"/>
           </a:p>
@@ -4512,7 +4512,7 @@
           <a:p>
             <a:fld id="{4509A250-FF31-4206-8172-F9D3106AACB1}" type="datetimeFigureOut">
               <a:rPr lang="en-US" dirty="0"/>
-              <a:t>12/16/21</a:t>
+              <a:t>12/17/21</a:t>
             </a:fld>
             <a:endParaRPr lang="en-US" dirty="0"/>
           </a:p>
@@ -4754,7 +4754,7 @@
           <a:p>
             <a:fld id="{9796027F-7875-4030-9381-8BD8C4F21935}" type="datetimeFigureOut">
               <a:rPr lang="en-US" dirty="0"/>
-              <a:t>12/16/21</a:t>
+              <a:t>12/17/21</a:t>
             </a:fld>
             <a:endParaRPr lang="en-US" dirty="0"/>
           </a:p>
@@ -5041,7 +5041,7 @@
           <a:p>
             <a:fld id="{9796027F-7875-4030-9381-8BD8C4F21935}" type="datetimeFigureOut">
               <a:rPr lang="en-US" dirty="0"/>
-              <a:t>12/16/21</a:t>
+              <a:t>12/17/21</a:t>
             </a:fld>
             <a:endParaRPr lang="en-US" dirty="0"/>
           </a:p>
@@ -5480,7 +5480,7 @@
           <a:p>
             <a:fld id="{9796027F-7875-4030-9381-8BD8C4F21935}" type="datetimeFigureOut">
               <a:rPr lang="en-US" dirty="0"/>
-              <a:t>12/16/21</a:t>
+              <a:t>12/17/21</a:t>
             </a:fld>
             <a:endParaRPr lang="en-US" dirty="0"/>
           </a:p>
@@ -5593,7 +5593,7 @@
           <a:p>
             <a:fld id="{4509A250-FF31-4206-8172-F9D3106AACB1}" type="datetimeFigureOut">
               <a:rPr lang="en-US" dirty="0"/>
-              <a:t>12/16/21</a:t>
+              <a:t>12/17/21</a:t>
             </a:fld>
             <a:endParaRPr lang="en-US" dirty="0"/>
           </a:p>
@@ -5683,7 +5683,7 @@
           <a:p>
             <a:fld id="{4509A250-FF31-4206-8172-F9D3106AACB1}" type="datetimeFigureOut">
               <a:rPr lang="en-US" dirty="0"/>
-              <a:t>12/16/21</a:t>
+              <a:t>12/17/21</a:t>
             </a:fld>
             <a:endParaRPr lang="en-US" dirty="0"/>
           </a:p>
@@ -5957,7 +5957,7 @@
           <a:p>
             <a:fld id="{4509A250-FF31-4206-8172-F9D3106AACB1}" type="datetimeFigureOut">
               <a:rPr lang="en-US" dirty="0"/>
-              <a:t>12/16/21</a:t>
+              <a:t>12/17/21</a:t>
             </a:fld>
             <a:endParaRPr lang="en-US" dirty="0"/>
           </a:p>
@@ -6227,7 +6227,7 @@
           <a:p>
             <a:fld id="{4509A250-FF31-4206-8172-F9D3106AACB1}" type="datetimeFigureOut">
               <a:rPr lang="en-US" dirty="0"/>
-              <a:t>12/16/21</a:t>
+              <a:t>12/17/21</a:t>
             </a:fld>
             <a:endParaRPr lang="en-US" dirty="0"/>
           </a:p>
@@ -6651,7 +6651,7 @@
           <a:p>
             <a:fld id="{4AAD347D-5ACD-4C99-B74B-A9C85AD731AF}" type="datetimeFigureOut">
               <a:rPr lang="en-US" dirty="0"/>
-              <a:t>12/16/21</a:t>
+              <a:t>12/17/21</a:t>
             </a:fld>
             <a:endParaRPr lang="en-US" dirty="0"/>
           </a:p>
@@ -7347,12 +7347,12 @@
           <a:lstStyle/>
           <a:p>
             <a:r>
-              <a:rPr lang="en-US">
+              <a:rPr lang="en-US" dirty="0">
                 <a:solidFill>
                   <a:schemeClr val="tx1"/>
                 </a:solidFill>
               </a:rPr>
-              <a:t>MK</a:t>
+              <a:t>Mujtaba khider</a:t>
             </a:r>
           </a:p>
         </p:txBody>
@@ -10547,7 +10547,7 @@
               <a:buChar char="v"/>
             </a:pPr>
             <a:r>
-              <a:rPr lang="en-GB" sz="1400"/>
+              <a:rPr lang="en-GB" sz="1400" dirty="0"/>
               <a:t>Governments and corporates uses artificial intelligence to take decisions that can have a significant impact on our lives. AI must be regulated to protect ourselves, and to use technology without manipulation or bias. Here's how it should be done.</a:t>
             </a:r>
           </a:p>
@@ -10560,7 +10560,7 @@
               <a:buChar char="v"/>
             </a:pPr>
             <a:r>
-              <a:rPr lang="en-GB" sz="1400"/>
+              <a:rPr lang="en-GB" sz="1400" dirty="0"/>
               <a:t>AI systems are threatening our fundamental rights. For example, algorithms that moderate content on social media platforms can restrict free speech in an unfair manner and influence public debate.</a:t>
             </a:r>
           </a:p>
@@ -10573,7 +10573,7 @@
               <a:buChar char="v"/>
             </a:pPr>
             <a:r>
-              <a:rPr lang="en-GB" sz="1400"/>
+              <a:rPr lang="en-GB" sz="1400" dirty="0"/>
               <a:t>Algorithms rely on massive sets of personal data, the collection, processing and storage of which frequently violates our data privacy and protection rights. Algorithmic bias can perpetuate existing structures of inequality in our societies and lead to discrimination and alienation of certain groups.</a:t>
             </a:r>
           </a:p>
@@ -10586,10 +10586,10 @@
               <a:buChar char="v"/>
             </a:pPr>
             <a:r>
-              <a:rPr lang="en-GB" sz="1400"/>
+              <a:rPr lang="en-GB" sz="1400" dirty="0"/>
               <a:t>To prevent and protect us from these threats, AI must be regulated. Legislators across the globe have  failed to design laws that specifically regulate the use of AI. This allows profit-oriented companies to develop systems that may cause harm to individuals. Some of these systems already exist and are being used.  </a:t>
             </a:r>
-            <a:endParaRPr lang="en-US" sz="1400"/>
+            <a:endParaRPr lang="en-US" sz="1400" dirty="0"/>
           </a:p>
         </p:txBody>
       </p:sp>
